--- a/Prezentacja.pptx
+++ b/Prezentacja.pptx
@@ -108,6 +108,11 @@
       </a:defRPr>
     </a:lvl9pPr>
   </p:defaultTextStyle>
+  <p:extLst>
+    <p:ext uri="{EFAFB233-063F-42B5-8137-9DF3F51BA10A}">
+      <p15:sldGuideLst xmlns:p15="http://schemas.microsoft.com/office/powerpoint/2012/main"/>
+    </p:ext>
+  </p:extLst>
 </p:presentation>
 </file>
 
@@ -307,7 +312,7 @@
           <a:p>
             <a:fld id="{ECD19FB2-3AAB-4D03-B13A-2960828C78E3}" type="datetimeFigureOut">
               <a:rPr lang="en-US" dirty="0"/>
-              <a:t>1/22/2017</a:t>
+              <a:t>1/23/2017</a:t>
             </a:fld>
             <a:endParaRPr lang="en-US" dirty="0"/>
           </a:p>
@@ -588,7 +593,7 @@
           <a:p>
             <a:fld id="{1B80C674-7DFC-42FE-B9CD-82963CDB1557}" type="datetimeFigureOut">
               <a:rPr lang="en-US" dirty="0"/>
-              <a:t>1/22/2017</a:t>
+              <a:t>1/23/2017</a:t>
             </a:fld>
             <a:endParaRPr lang="en-US" dirty="0"/>
           </a:p>
@@ -779,7 +784,7 @@
           <a:p>
             <a:fld id="{2076456F-F47D-4F25-8053-2A695DA0CA7D}" type="datetimeFigureOut">
               <a:rPr lang="en-US" dirty="0"/>
-              <a:t>1/22/2017</a:t>
+              <a:t>1/23/2017</a:t>
             </a:fld>
             <a:endParaRPr lang="en-US" dirty="0"/>
           </a:p>
@@ -1039,7 +1044,7 @@
           <a:p>
             <a:fld id="{5D6C7379-69CC-4837-9905-BEBA22830C8A}" type="datetimeFigureOut">
               <a:rPr lang="en-US" dirty="0"/>
-              <a:t>1/22/2017</a:t>
+              <a:t>1/23/2017</a:t>
             </a:fld>
             <a:endParaRPr lang="en-US" dirty="0"/>
           </a:p>
@@ -1464,7 +1469,7 @@
           <a:p>
             <a:fld id="{49EB8B7E-8AEE-4F10-BFEE-C999AD004D36}" type="datetimeFigureOut">
               <a:rPr lang="en-US" dirty="0"/>
-              <a:t>1/22/2017</a:t>
+              <a:t>1/23/2017</a:t>
             </a:fld>
             <a:endParaRPr lang="en-US" dirty="0"/>
           </a:p>
@@ -2009,7 +2014,7 @@
           <a:p>
             <a:fld id="{8668F3F9-58BC-440B-B37B-805B9055EF92}" type="datetimeFigureOut">
               <a:rPr lang="en-US" dirty="0"/>
-              <a:t>1/22/2017</a:t>
+              <a:t>1/23/2017</a:t>
             </a:fld>
             <a:endParaRPr lang="en-US" dirty="0"/>
           </a:p>
@@ -2839,7 +2844,7 @@
           <a:p>
             <a:fld id="{0D5A53AF-48EA-489D-8260-9DCAB666386A}" type="datetimeFigureOut">
               <a:rPr lang="en-US" dirty="0"/>
-              <a:t>1/22/2017</a:t>
+              <a:t>1/23/2017</a:t>
             </a:fld>
             <a:endParaRPr lang="en-US" dirty="0"/>
           </a:p>
@@ -3008,7 +3013,7 @@
           <a:p>
             <a:fld id="{0DED02AE-B9A4-47BD-AF8E-97E16144138B}" type="datetimeFigureOut">
               <a:rPr lang="en-US" dirty="0"/>
-              <a:t>1/22/2017</a:t>
+              <a:t>1/23/2017</a:t>
             </a:fld>
             <a:endParaRPr lang="en-US" dirty="0"/>
           </a:p>
@@ -3187,7 +3192,7 @@
           <a:p>
             <a:fld id="{CF0FD78B-DB02-4362-BCDC-98A55456977C}" type="datetimeFigureOut">
               <a:rPr lang="en-US" dirty="0"/>
-              <a:t>1/22/2017</a:t>
+              <a:t>1/23/2017</a:t>
             </a:fld>
             <a:endParaRPr lang="en-US" dirty="0"/>
           </a:p>
@@ -3356,7 +3361,7 @@
           <a:p>
             <a:fld id="{99916976-5D93-46E4-A98A-FAD63E4D0EA8}" type="datetimeFigureOut">
               <a:rPr lang="en-US" dirty="0"/>
-              <a:t>1/22/2017</a:t>
+              <a:t>1/23/2017</a:t>
             </a:fld>
             <a:endParaRPr lang="en-US" dirty="0"/>
           </a:p>
@@ -3612,7 +3617,7 @@
           <a:p>
             <a:fld id="{0F39F4F5-F4D2-4D2A-AB60-88D37ADCB869}" type="datetimeFigureOut">
               <a:rPr lang="en-US" dirty="0"/>
-              <a:t>1/22/2017</a:t>
+              <a:t>1/23/2017</a:t>
             </a:fld>
             <a:endParaRPr lang="en-US" dirty="0"/>
           </a:p>
@@ -3843,7 +3848,7 @@
           <a:p>
             <a:fld id="{D23BC6CE-6D1E-47E5-8859-F31AC5380EB2}" type="datetimeFigureOut">
               <a:rPr lang="en-US" dirty="0"/>
-              <a:t>1/22/2017</a:t>
+              <a:t>1/23/2017</a:t>
             </a:fld>
             <a:endParaRPr lang="en-US" dirty="0"/>
           </a:p>
@@ -4235,7 +4240,7 @@
           <a:p>
             <a:fld id="{B1B4E7C4-4DA4-404D-9965-B13F2DD7D8BF}" type="datetimeFigureOut">
               <a:rPr lang="en-US" dirty="0"/>
-              <a:t>1/22/2017</a:t>
+              <a:t>1/23/2017</a:t>
             </a:fld>
             <a:endParaRPr lang="en-US" dirty="0"/>
           </a:p>
@@ -4352,7 +4357,7 @@
           <a:p>
             <a:fld id="{476FB7AA-4A53-424F-AD41-70827B6504BA}" type="datetimeFigureOut">
               <a:rPr lang="en-US" dirty="0"/>
-              <a:t>1/22/2017</a:t>
+              <a:t>1/23/2017</a:t>
             </a:fld>
             <a:endParaRPr lang="en-US" dirty="0"/>
           </a:p>
@@ -4446,7 +4451,7 @@
           <a:p>
             <a:fld id="{E7884882-FB12-4BC8-9960-9AD8104D7FAE}" type="datetimeFigureOut">
               <a:rPr lang="en-US" dirty="0"/>
-              <a:t>1/22/2017</a:t>
+              <a:t>1/23/2017</a:t>
             </a:fld>
             <a:endParaRPr lang="en-US" dirty="0"/>
           </a:p>
@@ -4718,7 +4723,7 @@
           <a:p>
             <a:fld id="{F7D1BD23-6E54-4D9D-AD88-A2813C73CC25}" type="datetimeFigureOut">
               <a:rPr lang="en-US" dirty="0"/>
-              <a:t>1/22/2017</a:t>
+              <a:t>1/23/2017</a:t>
             </a:fld>
             <a:endParaRPr lang="en-US" dirty="0"/>
           </a:p>
@@ -4998,7 +5003,7 @@
           <a:p>
             <a:fld id="{1471A834-4F3C-4AF9-9C74-05EC35A0F292}" type="datetimeFigureOut">
               <a:rPr lang="en-US" dirty="0"/>
-              <a:t>1/22/2017</a:t>
+              <a:t>1/23/2017</a:t>
             </a:fld>
             <a:endParaRPr lang="en-US" dirty="0"/>
           </a:p>
@@ -5237,7 +5242,7 @@
           <a:p>
             <a:fld id="{51CF1133-3259-4C45-BABA-5B62D9C6F78D}" type="datetimeFigureOut">
               <a:rPr lang="en-US" dirty="0"/>
-              <a:t>1/22/2017</a:t>
+              <a:t>1/23/2017</a:t>
             </a:fld>
             <a:endParaRPr lang="en-US" dirty="0"/>
           </a:p>
@@ -5834,7 +5839,7 @@
         </p:nvSpPr>
         <p:spPr>
           <a:xfrm>
-            <a:off x="2209800" y="2715063"/>
+            <a:off x="2209800" y="2392247"/>
             <a:ext cx="9144000" cy="754025"/>
           </a:xfrm>
         </p:spPr>
@@ -5859,7 +5864,7 @@
         </p:nvSpPr>
         <p:spPr>
           <a:xfrm>
-            <a:off x="2209800" y="3469088"/>
+            <a:off x="2209800" y="3535349"/>
             <a:ext cx="9144000" cy="754025"/>
           </a:xfrm>
           <a:prstGeom prst="rect">
@@ -6136,8 +6141,301 @@
           </a:lstStyle>
           <a:p>
             <a:r>
-              <a:rPr lang="pl-PL" dirty="0"/>
+              <a:rPr lang="pl-PL" sz="2800" dirty="0"/>
               <a:t>Rok akademicki 2016/2017</a:t>
+            </a:r>
+          </a:p>
+        </p:txBody>
+      </p:sp>
+      <p:sp>
+        <p:nvSpPr>
+          <p:cNvPr id="5" name="Podtytuł 2"/>
+          <p:cNvSpPr txBox="1">
+            <a:spLocks/>
+          </p:cNvSpPr>
+          <p:nvPr/>
+        </p:nvSpPr>
+        <p:spPr>
+          <a:xfrm>
+            <a:off x="2209800" y="3146272"/>
+            <a:ext cx="9144000" cy="579371"/>
+          </a:xfrm>
+          <a:prstGeom prst="rect">
+            <a:avLst/>
+          </a:prstGeom>
+        </p:spPr>
+        <p:txBody>
+          <a:bodyPr vert="horz" lIns="91440" tIns="45720" rIns="91440" bIns="45720" rtlCol="0" anchor="b">
+            <a:normAutofit/>
+          </a:bodyPr>
+          <a:lstStyle>
+            <a:lvl1pPr marL="0" indent="0" algn="r" defTabSz="914400" rtl="0" eaLnBrk="1" latinLnBrk="0" hangingPunct="1">
+              <a:lnSpc>
+                <a:spcPct val="90000"/>
+              </a:lnSpc>
+              <a:spcBef>
+                <a:spcPts val="1000"/>
+              </a:spcBef>
+              <a:buFont typeface="Arial" panose="020B0604020202020204" pitchFamily="34" charset="0"/>
+              <a:buNone/>
+              <a:defRPr sz="3200" b="0" kern="1200">
+                <a:gradFill flip="none" rotWithShape="1">
+                  <a:gsLst>
+                    <a:gs pos="15000">
+                      <a:schemeClr val="tx2"/>
+                    </a:gs>
+                    <a:gs pos="73000">
+                      <a:schemeClr val="tx2">
+                        <a:lumMod val="60000"/>
+                        <a:lumOff val="40000"/>
+                      </a:schemeClr>
+                    </a:gs>
+                    <a:gs pos="0">
+                      <a:schemeClr val="tx2">
+                        <a:lumMod val="90000"/>
+                        <a:lumOff val="10000"/>
+                      </a:schemeClr>
+                    </a:gs>
+                    <a:gs pos="100000">
+                      <a:schemeClr val="tx2">
+                        <a:lumMod val="0"/>
+                        <a:lumOff val="100000"/>
+                      </a:schemeClr>
+                    </a:gs>
+                  </a:gsLst>
+                  <a:lin ang="16200000" scaled="1"/>
+                  <a:tileRect/>
+                </a:gradFill>
+                <a:latin typeface="+mj-lt"/>
+                <a:ea typeface="+mn-ea"/>
+                <a:cs typeface="+mn-cs"/>
+              </a:defRPr>
+            </a:lvl1pPr>
+            <a:lvl2pPr marL="457200" indent="0" algn="ctr" defTabSz="914400" rtl="0" eaLnBrk="1" latinLnBrk="0" hangingPunct="1">
+              <a:lnSpc>
+                <a:spcPct val="90000"/>
+              </a:lnSpc>
+              <a:spcBef>
+                <a:spcPts val="500"/>
+              </a:spcBef>
+              <a:buFont typeface="Arial" panose="020B0604020202020204" pitchFamily="34" charset="0"/>
+              <a:buNone/>
+              <a:defRPr sz="2000" kern="1200">
+                <a:gradFill>
+                  <a:gsLst>
+                    <a:gs pos="34000">
+                      <a:schemeClr val="tx1">
+                        <a:lumMod val="93000"/>
+                      </a:schemeClr>
+                    </a:gs>
+                    <a:gs pos="0">
+                      <a:schemeClr val="bg1">
+                        <a:lumMod val="25000"/>
+                        <a:lumOff val="75000"/>
+                      </a:schemeClr>
+                    </a:gs>
+                    <a:gs pos="100000">
+                      <a:schemeClr val="tx2">
+                        <a:lumMod val="0"/>
+                        <a:lumOff val="100000"/>
+                      </a:schemeClr>
+                    </a:gs>
+                  </a:gsLst>
+                  <a:lin ang="4800000" scaled="0"/>
+                </a:gradFill>
+                <a:latin typeface="+mn-lt"/>
+                <a:ea typeface="+mn-ea"/>
+                <a:cs typeface="+mn-cs"/>
+              </a:defRPr>
+            </a:lvl2pPr>
+            <a:lvl3pPr marL="914400" indent="0" algn="ctr" defTabSz="914400" rtl="0" eaLnBrk="1" latinLnBrk="0" hangingPunct="1">
+              <a:lnSpc>
+                <a:spcPct val="90000"/>
+              </a:lnSpc>
+              <a:spcBef>
+                <a:spcPts val="500"/>
+              </a:spcBef>
+              <a:buFont typeface="Arial" panose="020B0604020202020204" pitchFamily="34" charset="0"/>
+              <a:buNone/>
+              <a:defRPr sz="1800" kern="1200">
+                <a:gradFill>
+                  <a:gsLst>
+                    <a:gs pos="34000">
+                      <a:schemeClr val="tx1">
+                        <a:lumMod val="93000"/>
+                      </a:schemeClr>
+                    </a:gs>
+                    <a:gs pos="0">
+                      <a:schemeClr val="bg1">
+                        <a:lumMod val="25000"/>
+                        <a:lumOff val="75000"/>
+                      </a:schemeClr>
+                    </a:gs>
+                    <a:gs pos="100000">
+                      <a:schemeClr val="tx2">
+                        <a:lumMod val="0"/>
+                        <a:lumOff val="100000"/>
+                      </a:schemeClr>
+                    </a:gs>
+                  </a:gsLst>
+                  <a:lin ang="4800000" scaled="0"/>
+                </a:gradFill>
+                <a:latin typeface="+mn-lt"/>
+                <a:ea typeface="+mn-ea"/>
+                <a:cs typeface="+mn-cs"/>
+              </a:defRPr>
+            </a:lvl3pPr>
+            <a:lvl4pPr marL="1371600" indent="0" algn="ctr" defTabSz="914400" rtl="0" eaLnBrk="1" latinLnBrk="0" hangingPunct="1">
+              <a:lnSpc>
+                <a:spcPct val="90000"/>
+              </a:lnSpc>
+              <a:spcBef>
+                <a:spcPts val="500"/>
+              </a:spcBef>
+              <a:buFont typeface="Arial" panose="020B0604020202020204" pitchFamily="34" charset="0"/>
+              <a:buNone/>
+              <a:defRPr sz="1600" kern="1200">
+                <a:gradFill>
+                  <a:gsLst>
+                    <a:gs pos="34000">
+                      <a:schemeClr val="tx1">
+                        <a:lumMod val="93000"/>
+                      </a:schemeClr>
+                    </a:gs>
+                    <a:gs pos="0">
+                      <a:schemeClr val="bg1">
+                        <a:lumMod val="25000"/>
+                        <a:lumOff val="75000"/>
+                      </a:schemeClr>
+                    </a:gs>
+                    <a:gs pos="100000">
+                      <a:schemeClr val="tx2">
+                        <a:lumMod val="0"/>
+                        <a:lumOff val="100000"/>
+                      </a:schemeClr>
+                    </a:gs>
+                  </a:gsLst>
+                  <a:lin ang="4800000" scaled="0"/>
+                </a:gradFill>
+                <a:latin typeface="+mn-lt"/>
+                <a:ea typeface="+mn-ea"/>
+                <a:cs typeface="+mn-cs"/>
+              </a:defRPr>
+            </a:lvl4pPr>
+            <a:lvl5pPr marL="1828800" indent="0" algn="ctr" defTabSz="914400" rtl="0" eaLnBrk="1" latinLnBrk="0" hangingPunct="1">
+              <a:lnSpc>
+                <a:spcPct val="90000"/>
+              </a:lnSpc>
+              <a:spcBef>
+                <a:spcPts val="500"/>
+              </a:spcBef>
+              <a:buFont typeface="Arial" panose="020B0604020202020204" pitchFamily="34" charset="0"/>
+              <a:buNone/>
+              <a:defRPr sz="1600" kern="1200">
+                <a:gradFill>
+                  <a:gsLst>
+                    <a:gs pos="34000">
+                      <a:schemeClr val="tx1">
+                        <a:lumMod val="93000"/>
+                      </a:schemeClr>
+                    </a:gs>
+                    <a:gs pos="0">
+                      <a:schemeClr val="bg1">
+                        <a:lumMod val="25000"/>
+                        <a:lumOff val="75000"/>
+                      </a:schemeClr>
+                    </a:gs>
+                    <a:gs pos="100000">
+                      <a:schemeClr val="tx2">
+                        <a:lumMod val="0"/>
+                        <a:lumOff val="100000"/>
+                      </a:schemeClr>
+                    </a:gs>
+                  </a:gsLst>
+                  <a:lin ang="4800000" scaled="0"/>
+                </a:gradFill>
+                <a:latin typeface="+mn-lt"/>
+                <a:ea typeface="+mn-ea"/>
+                <a:cs typeface="+mn-cs"/>
+              </a:defRPr>
+            </a:lvl5pPr>
+            <a:lvl6pPr marL="2286000" indent="0" algn="ctr" defTabSz="914400" rtl="0" eaLnBrk="1" latinLnBrk="0" hangingPunct="1">
+              <a:lnSpc>
+                <a:spcPct val="90000"/>
+              </a:lnSpc>
+              <a:spcBef>
+                <a:spcPts val="500"/>
+              </a:spcBef>
+              <a:buFont typeface="Arial" panose="020B0604020202020204" pitchFamily="34" charset="0"/>
+              <a:buNone/>
+              <a:defRPr sz="1600" kern="1200">
+                <a:solidFill>
+                  <a:schemeClr val="tx1"/>
+                </a:solidFill>
+                <a:latin typeface="+mn-lt"/>
+                <a:ea typeface="+mn-ea"/>
+                <a:cs typeface="+mn-cs"/>
+              </a:defRPr>
+            </a:lvl6pPr>
+            <a:lvl7pPr marL="2743200" indent="0" algn="ctr" defTabSz="914400" rtl="0" eaLnBrk="1" latinLnBrk="0" hangingPunct="1">
+              <a:lnSpc>
+                <a:spcPct val="90000"/>
+              </a:lnSpc>
+              <a:spcBef>
+                <a:spcPts val="500"/>
+              </a:spcBef>
+              <a:buFont typeface="Arial" panose="020B0604020202020204" pitchFamily="34" charset="0"/>
+              <a:buNone/>
+              <a:defRPr sz="1600" kern="1200">
+                <a:solidFill>
+                  <a:schemeClr val="tx1"/>
+                </a:solidFill>
+                <a:latin typeface="+mn-lt"/>
+                <a:ea typeface="+mn-ea"/>
+                <a:cs typeface="+mn-cs"/>
+              </a:defRPr>
+            </a:lvl7pPr>
+            <a:lvl8pPr marL="3200400" indent="0" algn="ctr" defTabSz="914400" rtl="0" eaLnBrk="1" latinLnBrk="0" hangingPunct="1">
+              <a:lnSpc>
+                <a:spcPct val="90000"/>
+              </a:lnSpc>
+              <a:spcBef>
+                <a:spcPts val="500"/>
+              </a:spcBef>
+              <a:buFont typeface="Arial" panose="020B0604020202020204" pitchFamily="34" charset="0"/>
+              <a:buNone/>
+              <a:defRPr sz="1600" kern="1200">
+                <a:solidFill>
+                  <a:schemeClr val="tx1"/>
+                </a:solidFill>
+                <a:latin typeface="+mn-lt"/>
+                <a:ea typeface="+mn-ea"/>
+                <a:cs typeface="+mn-cs"/>
+              </a:defRPr>
+            </a:lvl8pPr>
+            <a:lvl9pPr marL="3657600" indent="0" algn="ctr" defTabSz="914400" rtl="0" eaLnBrk="1" latinLnBrk="0" hangingPunct="1">
+              <a:lnSpc>
+                <a:spcPct val="90000"/>
+              </a:lnSpc>
+              <a:spcBef>
+                <a:spcPts val="500"/>
+              </a:spcBef>
+              <a:buFont typeface="Arial" panose="020B0604020202020204" pitchFamily="34" charset="0"/>
+              <a:buNone/>
+              <a:defRPr sz="1600" kern="1200">
+                <a:solidFill>
+                  <a:schemeClr val="tx1"/>
+                </a:solidFill>
+                <a:latin typeface="+mn-lt"/>
+                <a:ea typeface="+mn-ea"/>
+                <a:cs typeface="+mn-cs"/>
+              </a:defRPr>
+            </a:lvl9pPr>
+          </a:lstStyle>
+          <a:p>
+            <a:r>
+              <a:rPr lang="pl-PL" sz="2800" dirty="0"/>
+              <a:t>Politechnika Wrocławska</a:t>
             </a:r>
           </a:p>
         </p:txBody>
@@ -6217,24 +6515,27 @@
               <a:rPr lang="pl-PL" dirty="0" err="1"/>
               <a:t>Andziul</a:t>
             </a:r>
-            <a:endParaRPr lang="pl-PL" dirty="0"/>
-          </a:p>
-          <a:p>
             <a:r>
               <a:rPr lang="pl-PL" dirty="0"/>
-              <a:t>Piotr Osipa</a:t>
+              <a:t>, nr indeksu: 200756</a:t>
             </a:r>
           </a:p>
           <a:p>
             <a:r>
               <a:rPr lang="pl-PL" dirty="0"/>
-              <a:t>Maciej Kiedrowski</a:t>
+              <a:t>Piotr Osipa, nr indeksu: 200648</a:t>
             </a:r>
           </a:p>
           <a:p>
             <a:r>
               <a:rPr lang="pl-PL" dirty="0"/>
-              <a:t>Joanna Piątek</a:t>
+              <a:t>Maciej Kiedrowski, nr indeksu: 200105</a:t>
+            </a:r>
+          </a:p>
+          <a:p>
+            <a:r>
+              <a:rPr lang="pl-PL" dirty="0"/>
+              <a:t>Joanna Piątek, nr indeksu: 199966</a:t>
             </a:r>
           </a:p>
         </p:txBody>
@@ -6409,7 +6710,7 @@
           <p:nvPr>
             <p:extLst>
               <p:ext uri="{D42A27DB-BD31-4B8C-83A1-F6EECF244321}">
-                <p14:modId xmlns:p14="http://schemas.microsoft.com/office/powerpoint/2010/main" val="1752052684"/>
+                <p14:modId xmlns:p14="http://schemas.microsoft.com/office/powerpoint/2010/main" val="294034692"/>
               </p:ext>
             </p:extLst>
           </p:nvPr>
@@ -6668,10 +6969,10 @@
                           <a:ea typeface="+mn-ea"/>
                           <a:cs typeface="+mn-cs"/>
                         </a:rPr>
-                        <a:t>Sterowanie dla </a:t>
+                        <a:t>Sterowanie</a:t>
                       </a:r>
                       <a:r>
-                        <a:rPr lang="pl-PL" sz="1800" b="0" i="0" kern="1200" dirty="0" err="1">
+                        <a:rPr lang="pl-PL" sz="1800" b="0" i="0" kern="1200" baseline="0" dirty="0">
                           <a:solidFill>
                             <a:schemeClr val="dk1"/>
                           </a:solidFill>
@@ -6680,7 +6981,19 @@
                           <a:ea typeface="+mn-ea"/>
                           <a:cs typeface="+mn-cs"/>
                         </a:rPr>
-                        <a:t>xboxa</a:t>
+                        <a:t> pada </a:t>
+                      </a:r>
+                      <a:r>
+                        <a:rPr lang="pl-PL" sz="1800" b="0" i="0" kern="1200" baseline="0" dirty="0" err="1">
+                          <a:solidFill>
+                            <a:schemeClr val="dk1"/>
+                          </a:solidFill>
+                          <a:effectLst/>
+                          <a:latin typeface="+mn-lt"/>
+                          <a:ea typeface="+mn-ea"/>
+                          <a:cs typeface="+mn-cs"/>
+                        </a:rPr>
+                        <a:t>xbox</a:t>
                       </a:r>
                       <a:endParaRPr lang="pl-PL" sz="1800" b="0" i="0" kern="1200" dirty="0">
                         <a:solidFill>
@@ -6769,8 +7082,14 @@
                           <a:ea typeface="+mn-ea"/>
                           <a:cs typeface="+mn-cs"/>
                         </a:rPr>
-                        <a:t>Obracanie kija przy poruszaniu kamerą (</a:t>
+                        <a:t>Obracanie kija przy poruszaniu kamerą (graczem)</a:t>
                       </a:r>
+                    </a:p>
+                    <a:p>
+                      <a:pPr marL="285750" indent="-285750">
+                        <a:buFont typeface="Arial" panose="020B0604020202020204" pitchFamily="34" charset="0"/>
+                        <a:buChar char="•"/>
+                      </a:pPr>
                       <a:r>
                         <a:rPr lang="pl-PL" sz="1800" b="0" i="0" kern="1200">
                           <a:solidFill>
@@ -6781,7 +7100,19 @@
                           <a:ea typeface="+mn-ea"/>
                           <a:cs typeface="+mn-cs"/>
                         </a:rPr>
-                        <a:t>graczem)</a:t>
+                        <a:t>Drobne</a:t>
+                      </a:r>
+                      <a:r>
+                        <a:rPr lang="pl-PL" sz="1800" b="0" i="0" kern="1200" baseline="0">
+                          <a:solidFill>
+                            <a:schemeClr val="dk1"/>
+                          </a:solidFill>
+                          <a:effectLst/>
+                          <a:latin typeface="+mn-lt"/>
+                          <a:ea typeface="+mn-ea"/>
+                          <a:cs typeface="+mn-cs"/>
+                        </a:rPr>
+                        <a:t> poprawki</a:t>
                       </a:r>
                       <a:endParaRPr lang="pl-PL" sz="1800" b="0" i="0" kern="1200" dirty="0">
                         <a:solidFill>

--- a/Prezentacja.pptx
+++ b/Prezentacja.pptx
@@ -6710,7 +6710,7 @@
           <p:nvPr>
             <p:extLst>
               <p:ext uri="{D42A27DB-BD31-4B8C-83A1-F6EECF244321}">
-                <p14:modId xmlns:p14="http://schemas.microsoft.com/office/powerpoint/2010/main" val="294034692"/>
+                <p14:modId xmlns:p14="http://schemas.microsoft.com/office/powerpoint/2010/main" val="1554477568"/>
               </p:ext>
             </p:extLst>
           </p:nvPr>
@@ -7091,7 +7091,7 @@
                         <a:buChar char="•"/>
                       </a:pPr>
                       <a:r>
-                        <a:rPr lang="pl-PL" sz="1800" b="0" i="0" kern="1200">
+                        <a:rPr lang="pl-PL" sz="1800" b="0" i="0" kern="1200" dirty="0">
                           <a:solidFill>
                             <a:schemeClr val="dk1"/>
                           </a:solidFill>
@@ -7100,7 +7100,31 @@
                           <a:ea typeface="+mn-ea"/>
                           <a:cs typeface="+mn-cs"/>
                         </a:rPr>
-                        <a:t>Drobne</a:t>
+                        <a:t>Poprawienie </a:t>
+                      </a:r>
+                      <a:r>
+                        <a:rPr lang="pl-PL" sz="1800" b="0" i="0" kern="1200" dirty="0" err="1">
+                          <a:solidFill>
+                            <a:schemeClr val="dk1"/>
+                          </a:solidFill>
+                          <a:effectLst/>
+                          <a:latin typeface="+mn-lt"/>
+                          <a:ea typeface="+mn-ea"/>
+                          <a:cs typeface="+mn-cs"/>
+                        </a:rPr>
+                        <a:t>colliderów</a:t>
+                      </a:r>
+                      <a:r>
+                        <a:rPr lang="pl-PL" sz="1800" b="0" i="0" kern="1200" baseline="0" dirty="0">
+                          <a:solidFill>
+                            <a:schemeClr val="dk1"/>
+                          </a:solidFill>
+                          <a:effectLst/>
+                          <a:latin typeface="+mn-lt"/>
+                          <a:ea typeface="+mn-ea"/>
+                          <a:cs typeface="+mn-cs"/>
+                        </a:rPr>
+                        <a:t> </a:t>
                       </a:r>
                       <a:r>
                         <a:rPr lang="pl-PL" sz="1800" b="0" i="0" kern="1200" baseline="0">
@@ -7112,7 +7136,7 @@
                           <a:ea typeface="+mn-ea"/>
                           <a:cs typeface="+mn-cs"/>
                         </a:rPr>
-                        <a:t> poprawki</a:t>
+                        <a:t>i cieniowanie</a:t>
                       </a:r>
                       <a:endParaRPr lang="pl-PL" sz="1800" b="0" i="0" kern="1200" dirty="0">
                         <a:solidFill>
